--- a/ppt/Spring-07-SpringJPASQL.pptx
+++ b/ppt/Spring-07-SpringJPASQL.pptx
@@ -5,10 +5,10 @@
     <p:sldMasterId id="2147483653" r:id="rId1"/>
   </p:sldMasterIdLst>
   <p:notesMasterIdLst>
-    <p:notesMasterId r:id="rId34"/>
+    <p:notesMasterId r:id="rId37"/>
   </p:notesMasterIdLst>
   <p:handoutMasterIdLst>
-    <p:handoutMasterId r:id="rId35"/>
+    <p:handoutMasterId r:id="rId38"/>
   </p:handoutMasterIdLst>
   <p:sldIdLst>
     <p:sldId id="264" r:id="rId2"/>
@@ -21,28 +21,31 @@
     <p:sldId id="399" r:id="rId9"/>
     <p:sldId id="349" r:id="rId10"/>
     <p:sldId id="413" r:id="rId11"/>
-    <p:sldId id="427" r:id="rId12"/>
-    <p:sldId id="346" r:id="rId13"/>
-    <p:sldId id="347" r:id="rId14"/>
-    <p:sldId id="410" r:id="rId15"/>
-    <p:sldId id="414" r:id="rId16"/>
-    <p:sldId id="415" r:id="rId17"/>
-    <p:sldId id="417" r:id="rId18"/>
-    <p:sldId id="418" r:id="rId19"/>
-    <p:sldId id="419" r:id="rId20"/>
-    <p:sldId id="421" r:id="rId21"/>
-    <p:sldId id="420" r:id="rId22"/>
-    <p:sldId id="409" r:id="rId23"/>
-    <p:sldId id="416" r:id="rId24"/>
-    <p:sldId id="357" r:id="rId25"/>
-    <p:sldId id="422" r:id="rId26"/>
-    <p:sldId id="424" r:id="rId27"/>
-    <p:sldId id="423" r:id="rId28"/>
-    <p:sldId id="425" r:id="rId29"/>
-    <p:sldId id="426" r:id="rId30"/>
-    <p:sldId id="430" r:id="rId31"/>
-    <p:sldId id="429" r:id="rId32"/>
-    <p:sldId id="428" r:id="rId33"/>
+    <p:sldId id="346" r:id="rId12"/>
+    <p:sldId id="347" r:id="rId13"/>
+    <p:sldId id="410" r:id="rId14"/>
+    <p:sldId id="414" r:id="rId15"/>
+    <p:sldId id="415" r:id="rId16"/>
+    <p:sldId id="417" r:id="rId17"/>
+    <p:sldId id="418" r:id="rId18"/>
+    <p:sldId id="419" r:id="rId19"/>
+    <p:sldId id="421" r:id="rId20"/>
+    <p:sldId id="420" r:id="rId21"/>
+    <p:sldId id="409" r:id="rId22"/>
+    <p:sldId id="416" r:id="rId23"/>
+    <p:sldId id="357" r:id="rId24"/>
+    <p:sldId id="422" r:id="rId25"/>
+    <p:sldId id="424" r:id="rId26"/>
+    <p:sldId id="423" r:id="rId27"/>
+    <p:sldId id="425" r:id="rId28"/>
+    <p:sldId id="426" r:id="rId29"/>
+    <p:sldId id="433" r:id="rId30"/>
+    <p:sldId id="427" r:id="rId31"/>
+    <p:sldId id="432" r:id="rId32"/>
+    <p:sldId id="429" r:id="rId33"/>
+    <p:sldId id="430" r:id="rId34"/>
+    <p:sldId id="431" r:id="rId35"/>
+    <p:sldId id="428" r:id="rId36"/>
   </p:sldIdLst>
   <p:sldSz cx="9144000" cy="6858000" type="screen4x3"/>
   <p:notesSz cx="6648450" cy="9782175"/>
@@ -4456,135 +4459,6 @@
       </p:grpSpPr>
       <p:sp>
         <p:nvSpPr>
-          <p:cNvPr id="19458" name="Titre 1"/>
-          <p:cNvSpPr>
-            <a:spLocks noGrp="1"/>
-          </p:cNvSpPr>
-          <p:nvPr>
-            <p:ph type="title"/>
-          </p:nvPr>
-        </p:nvSpPr>
-        <p:spPr/>
-        <p:txBody>
-          <a:bodyPr/>
-          <a:lstStyle/>
-          <a:p>
-            <a:r>
-              <a:rPr lang="fr-FR" altLang="fr-FR"/>
-              <a:t>Configuration</a:t>
-            </a:r>
-          </a:p>
-        </p:txBody>
-      </p:sp>
-      <p:sp>
-        <p:nvSpPr>
-          <p:cNvPr id="19459" name="Espace réservé du contenu 2"/>
-          <p:cNvSpPr>
-            <a:spLocks noGrp="1"/>
-          </p:cNvSpPr>
-          <p:nvPr>
-            <p:ph idx="1"/>
-          </p:nvPr>
-        </p:nvSpPr>
-        <p:spPr/>
-        <p:txBody>
-          <a:bodyPr/>
-          <a:lstStyle/>
-          <a:p>
-            <a:r>
-              <a:rPr lang="fr-FR" altLang="fr-FR"/>
-              <a:t>Application.properties</a:t>
-            </a:r>
-          </a:p>
-          <a:p>
-            <a:pPr lvl="1"/>
-            <a:r>
-              <a:rPr lang="fr-FR" altLang="fr-FR" sz="1800">
-                <a:latin typeface="Courier New" panose="02070309020205020404" pitchFamily="49" charset="0"/>
-                <a:cs typeface="Courier New" panose="02070309020205020404" pitchFamily="49" charset="0"/>
-              </a:rPr>
-              <a:t>spring.jpa.hibernate.ddl-auto=none</a:t>
-            </a:r>
-          </a:p>
-          <a:p>
-            <a:pPr lvl="1"/>
-            <a:r>
-              <a:rPr lang="fr-FR" altLang="fr-FR" sz="1800">
-                <a:latin typeface="Courier New" panose="02070309020205020404" pitchFamily="49" charset="0"/>
-                <a:cs typeface="Courier New" panose="02070309020205020404" pitchFamily="49" charset="0"/>
-              </a:rPr>
-              <a:t>spring.datasource.initialization-mode=always</a:t>
-            </a:r>
-          </a:p>
-          <a:p>
-            <a:pPr lvl="1"/>
-            <a:r>
-              <a:rPr lang="fr-FR" altLang="fr-FR" sz="1800">
-                <a:latin typeface="Courier New" panose="02070309020205020404" pitchFamily="49" charset="0"/>
-                <a:cs typeface="Courier New" panose="02070309020205020404" pitchFamily="49" charset="0"/>
-              </a:rPr>
-              <a:t>spring.datasource.platform=postgres</a:t>
-            </a:r>
-          </a:p>
-          <a:p>
-            <a:pPr lvl="1"/>
-            <a:r>
-              <a:rPr lang="fr-FR" altLang="fr-FR" sz="1800">
-                <a:latin typeface="Courier New" panose="02070309020205020404" pitchFamily="49" charset="0"/>
-                <a:cs typeface="Courier New" panose="02070309020205020404" pitchFamily="49" charset="0"/>
-              </a:rPr>
-              <a:t>spring.datasource.url=jdbc:postgresql://localhost:5432/postgres</a:t>
-            </a:r>
-          </a:p>
-          <a:p>
-            <a:pPr lvl="1"/>
-            <a:r>
-              <a:rPr lang="fr-FR" altLang="fr-FR" sz="1800">
-                <a:latin typeface="Courier New" panose="02070309020205020404" pitchFamily="49" charset="0"/>
-                <a:cs typeface="Courier New" panose="02070309020205020404" pitchFamily="49" charset="0"/>
-              </a:rPr>
-              <a:t>spring.datasource.username=postgres</a:t>
-            </a:r>
-          </a:p>
-          <a:p>
-            <a:pPr lvl="1"/>
-            <a:r>
-              <a:rPr lang="fr-FR" altLang="fr-FR" sz="1800">
-                <a:latin typeface="Courier New" panose="02070309020205020404" pitchFamily="49" charset="0"/>
-                <a:cs typeface="Courier New" panose="02070309020205020404" pitchFamily="49" charset="0"/>
-              </a:rPr>
-              <a:t>spring.datasource.password=sa</a:t>
-            </a:r>
-          </a:p>
-        </p:txBody>
-      </p:sp>
-    </p:spTree>
-  </p:cSld>
-  <p:clrMapOvr>
-    <a:masterClrMapping/>
-  </p:clrMapOvr>
-</p:sld>
-</file>
-
-<file path=ppt/slides/slide12.xml><?xml version="1.0" encoding="utf-8"?>
-<p:sld xmlns:a="http://schemas.openxmlformats.org/drawingml/2006/main" xmlns:r="http://schemas.openxmlformats.org/officeDocument/2006/relationships" xmlns:p="http://schemas.openxmlformats.org/presentationml/2006/main">
-  <p:cSld>
-    <p:spTree>
-      <p:nvGrpSpPr>
-        <p:cNvPr id="1" name=""/>
-        <p:cNvGrpSpPr/>
-        <p:nvPr/>
-      </p:nvGrpSpPr>
-      <p:grpSpPr>
-        <a:xfrm>
-          <a:off x="0" y="0"/>
-          <a:ext cx="0" cy="0"/>
-          <a:chOff x="0" y="0"/>
-          <a:chExt cx="0" cy="0"/>
-        </a:xfrm>
-      </p:grpSpPr>
-      <p:sp>
-        <p:nvSpPr>
           <p:cNvPr id="20482" name="Titre 1"/>
           <p:cNvSpPr>
             <a:spLocks noGrp="1"/>
@@ -4680,7 +4554,7 @@
 </p:sld>
 </file>
 
-<file path=ppt/slides/slide13.xml><?xml version="1.0" encoding="utf-8"?>
+<file path=ppt/slides/slide12.xml><?xml version="1.0" encoding="utf-8"?>
 <p:sld xmlns:a="http://schemas.openxmlformats.org/drawingml/2006/main" xmlns:r="http://schemas.openxmlformats.org/officeDocument/2006/relationships" xmlns:p="http://schemas.openxmlformats.org/presentationml/2006/main">
   <p:cSld>
     <p:spTree>
@@ -4797,7 +4671,7 @@
 </p:sld>
 </file>
 
-<file path=ppt/slides/slide14.xml><?xml version="1.0" encoding="utf-8"?>
+<file path=ppt/slides/slide13.xml><?xml version="1.0" encoding="utf-8"?>
 <p:sld xmlns:a="http://schemas.openxmlformats.org/drawingml/2006/main" xmlns:r="http://schemas.openxmlformats.org/officeDocument/2006/relationships" xmlns:p="http://schemas.openxmlformats.org/presentationml/2006/main">
   <p:cSld>
     <p:spTree>
@@ -4886,7 +4760,7 @@
 </p:sld>
 </file>
 
-<file path=ppt/slides/slide15.xml><?xml version="1.0" encoding="utf-8"?>
+<file path=ppt/slides/slide14.xml><?xml version="1.0" encoding="utf-8"?>
 <p:sld xmlns:a="http://schemas.openxmlformats.org/drawingml/2006/main" xmlns:r="http://schemas.openxmlformats.org/officeDocument/2006/relationships" xmlns:p="http://schemas.openxmlformats.org/presentationml/2006/main">
   <p:cSld>
     <p:spTree>
@@ -5009,7 +4883,7 @@
 </p:sld>
 </file>
 
-<file path=ppt/slides/slide16.xml><?xml version="1.0" encoding="utf-8"?>
+<file path=ppt/slides/slide15.xml><?xml version="1.0" encoding="utf-8"?>
 <p:sld xmlns:a="http://schemas.openxmlformats.org/drawingml/2006/main" xmlns:r="http://schemas.openxmlformats.org/officeDocument/2006/relationships" xmlns:p="http://schemas.openxmlformats.org/presentationml/2006/main">
   <p:cSld>
     <p:spTree>
@@ -5144,7 +5018,7 @@
 </p:sld>
 </file>
 
-<file path=ppt/slides/slide17.xml><?xml version="1.0" encoding="utf-8"?>
+<file path=ppt/slides/slide16.xml><?xml version="1.0" encoding="utf-8"?>
 <p:sld xmlns:a="http://schemas.openxmlformats.org/drawingml/2006/main" xmlns:r="http://schemas.openxmlformats.org/officeDocument/2006/relationships" xmlns:p="http://schemas.openxmlformats.org/presentationml/2006/main">
   <p:cSld>
     <p:spTree>
@@ -5264,7 +5138,7 @@
 </p:sld>
 </file>
 
-<file path=ppt/slides/slide18.xml><?xml version="1.0" encoding="utf-8"?>
+<file path=ppt/slides/slide17.xml><?xml version="1.0" encoding="utf-8"?>
 <p:sld xmlns:a="http://schemas.openxmlformats.org/drawingml/2006/main" xmlns:r="http://schemas.openxmlformats.org/officeDocument/2006/relationships" xmlns:p="http://schemas.openxmlformats.org/presentationml/2006/main">
   <p:cSld>
     <p:spTree>
@@ -5444,7 +5318,7 @@
 </p:sld>
 </file>
 
-<file path=ppt/slides/slide19.xml><?xml version="1.0" encoding="utf-8"?>
+<file path=ppt/slides/slide18.xml><?xml version="1.0" encoding="utf-8"?>
 <p:sld xmlns:a="http://schemas.openxmlformats.org/drawingml/2006/main" xmlns:r="http://schemas.openxmlformats.org/officeDocument/2006/relationships" xmlns:p="http://schemas.openxmlformats.org/presentationml/2006/main">
   <p:cSld>
     <p:spTree>
@@ -5556,6 +5430,93 @@
           </a:extLst>
         </p:spPr>
       </p:pic>
+    </p:spTree>
+  </p:cSld>
+  <p:clrMapOvr>
+    <a:masterClrMapping/>
+  </p:clrMapOvr>
+</p:sld>
+</file>
+
+<file path=ppt/slides/slide19.xml><?xml version="1.0" encoding="utf-8"?>
+<p:sld xmlns:a="http://schemas.openxmlformats.org/drawingml/2006/main" xmlns:r="http://schemas.openxmlformats.org/officeDocument/2006/relationships" xmlns:p="http://schemas.openxmlformats.org/presentationml/2006/main">
+  <p:cSld>
+    <p:spTree>
+      <p:nvGrpSpPr>
+        <p:cNvPr id="1" name=""/>
+        <p:cNvGrpSpPr/>
+        <p:nvPr/>
+      </p:nvGrpSpPr>
+      <p:grpSpPr>
+        <a:xfrm>
+          <a:off x="0" y="0"/>
+          <a:ext cx="0" cy="0"/>
+          <a:chOff x="0" y="0"/>
+          <a:chExt cx="0" cy="0"/>
+        </a:xfrm>
+      </p:grpSpPr>
+      <p:sp>
+        <p:nvSpPr>
+          <p:cNvPr id="28674" name="Titre 1"/>
+          <p:cNvSpPr>
+            <a:spLocks noGrp="1"/>
+          </p:cNvSpPr>
+          <p:nvPr>
+            <p:ph type="title"/>
+          </p:nvPr>
+        </p:nvSpPr>
+        <p:spPr/>
+        <p:txBody>
+          <a:bodyPr/>
+          <a:lstStyle/>
+          <a:p>
+            <a:r>
+              <a:rPr lang="fr-FR" altLang="fr-FR"/>
+              <a:t>Lazy Loading</a:t>
+            </a:r>
+          </a:p>
+        </p:txBody>
+      </p:sp>
+      <p:sp>
+        <p:nvSpPr>
+          <p:cNvPr id="28675" name="Espace réservé du contenu 2"/>
+          <p:cNvSpPr>
+            <a:spLocks noGrp="1"/>
+          </p:cNvSpPr>
+          <p:nvPr>
+            <p:ph idx="1"/>
+          </p:nvPr>
+        </p:nvSpPr>
+        <p:spPr/>
+        <p:txBody>
+          <a:bodyPr/>
+          <a:lstStyle/>
+          <a:p>
+            <a:r>
+              <a:rPr lang="fr-FR" altLang="fr-FR" sz="2400"/>
+              <a:t>Le lazy loading consiste à charger des objets uniquement lorsque l'on y accède explicitement</a:t>
+            </a:r>
+          </a:p>
+          <a:p>
+            <a:r>
+              <a:rPr lang="fr-FR" altLang="fr-FR" sz="2400"/>
+              <a:t>Livre peut posséder un attribut de type Utilisateur qui ne sera chargé que si l'ont y accède</a:t>
+            </a:r>
+          </a:p>
+          <a:p>
+            <a:r>
+              <a:rPr lang="fr-FR" altLang="fr-FR" sz="2400"/>
+              <a:t>Activé par défaut dans les relations *ToMany</a:t>
+            </a:r>
+          </a:p>
+          <a:p>
+            <a:r>
+              <a:rPr lang="fr-FR" altLang="fr-FR" sz="2400"/>
+              <a:t>Désactivé par défaut dans les relations ToOne</a:t>
+            </a:r>
+          </a:p>
+        </p:txBody>
+      </p:sp>
     </p:spTree>
   </p:cSld>
   <p:clrMapOvr>
@@ -8591,93 +8552,6 @@
       </p:grpSpPr>
       <p:sp>
         <p:nvSpPr>
-          <p:cNvPr id="28674" name="Titre 1"/>
-          <p:cNvSpPr>
-            <a:spLocks noGrp="1"/>
-          </p:cNvSpPr>
-          <p:nvPr>
-            <p:ph type="title"/>
-          </p:nvPr>
-        </p:nvSpPr>
-        <p:spPr/>
-        <p:txBody>
-          <a:bodyPr/>
-          <a:lstStyle/>
-          <a:p>
-            <a:r>
-              <a:rPr lang="fr-FR" altLang="fr-FR"/>
-              <a:t>Lazy Loading</a:t>
-            </a:r>
-          </a:p>
-        </p:txBody>
-      </p:sp>
-      <p:sp>
-        <p:nvSpPr>
-          <p:cNvPr id="28675" name="Espace réservé du contenu 2"/>
-          <p:cNvSpPr>
-            <a:spLocks noGrp="1"/>
-          </p:cNvSpPr>
-          <p:nvPr>
-            <p:ph idx="1"/>
-          </p:nvPr>
-        </p:nvSpPr>
-        <p:spPr/>
-        <p:txBody>
-          <a:bodyPr/>
-          <a:lstStyle/>
-          <a:p>
-            <a:r>
-              <a:rPr lang="fr-FR" altLang="fr-FR" sz="2400"/>
-              <a:t>Le lazy loading consiste à charger des objets uniquement lorsque l'on y accède explicitement</a:t>
-            </a:r>
-          </a:p>
-          <a:p>
-            <a:r>
-              <a:rPr lang="fr-FR" altLang="fr-FR" sz="2400"/>
-              <a:t>Livre peut posséder un attribut de type Utilisateur qui ne sera chargé que si l'ont y accède</a:t>
-            </a:r>
-          </a:p>
-          <a:p>
-            <a:r>
-              <a:rPr lang="fr-FR" altLang="fr-FR" sz="2400"/>
-              <a:t>Activé par défaut dans les relations *ToMany</a:t>
-            </a:r>
-          </a:p>
-          <a:p>
-            <a:r>
-              <a:rPr lang="fr-FR" altLang="fr-FR" sz="2400"/>
-              <a:t>Désactivé par défaut dans les relations ToOne</a:t>
-            </a:r>
-          </a:p>
-        </p:txBody>
-      </p:sp>
-    </p:spTree>
-  </p:cSld>
-  <p:clrMapOvr>
-    <a:masterClrMapping/>
-  </p:clrMapOvr>
-</p:sld>
-</file>
-
-<file path=ppt/slides/slide21.xml><?xml version="1.0" encoding="utf-8"?>
-<p:sld xmlns:a="http://schemas.openxmlformats.org/drawingml/2006/main" xmlns:r="http://schemas.openxmlformats.org/officeDocument/2006/relationships" xmlns:p="http://schemas.openxmlformats.org/presentationml/2006/main">
-  <p:cSld>
-    <p:spTree>
-      <p:nvGrpSpPr>
-        <p:cNvPr id="1" name=""/>
-        <p:cNvGrpSpPr/>
-        <p:nvPr/>
-      </p:nvGrpSpPr>
-      <p:grpSpPr>
-        <a:xfrm>
-          <a:off x="0" y="0"/>
-          <a:ext cx="0" cy="0"/>
-          <a:chOff x="0" y="0"/>
-          <a:chExt cx="0" cy="0"/>
-        </a:xfrm>
-      </p:grpSpPr>
-      <p:sp>
-        <p:nvSpPr>
           <p:cNvPr id="29698" name="Titre 1"/>
           <p:cNvSpPr>
             <a:spLocks noGrp="1"/>
@@ -8789,7 +8663,7 @@
 </p:sld>
 </file>
 
-<file path=ppt/slides/slide22.xml><?xml version="1.0" encoding="utf-8"?>
+<file path=ppt/slides/slide21.xml><?xml version="1.0" encoding="utf-8"?>
 <p:sld xmlns:a="http://schemas.openxmlformats.org/drawingml/2006/main" xmlns:r="http://schemas.openxmlformats.org/officeDocument/2006/relationships" xmlns:p="http://schemas.openxmlformats.org/presentationml/2006/main">
   <p:cSld>
     <p:spTree>
@@ -8963,7 +8837,7 @@
 </p:sld>
 </file>
 
-<file path=ppt/slides/slide23.xml><?xml version="1.0" encoding="utf-8"?>
+<file path=ppt/slides/slide22.xml><?xml version="1.0" encoding="utf-8"?>
 <p:sld xmlns:a="http://schemas.openxmlformats.org/drawingml/2006/main" xmlns:r="http://schemas.openxmlformats.org/officeDocument/2006/relationships" xmlns:p="http://schemas.openxmlformats.org/presentationml/2006/main">
   <p:cSld>
     <p:spTree>
@@ -9215,7 +9089,7 @@
 </p:sld>
 </file>
 
-<file path=ppt/slides/slide24.xml><?xml version="1.0" encoding="utf-8"?>
+<file path=ppt/slides/slide23.xml><?xml version="1.0" encoding="utf-8"?>
 <p:sld xmlns:a="http://schemas.openxmlformats.org/drawingml/2006/main" xmlns:r="http://schemas.openxmlformats.org/officeDocument/2006/relationships" xmlns:p="http://schemas.openxmlformats.org/presentationml/2006/main">
   <p:cSld>
     <p:spTree>
@@ -9313,7 +9187,7 @@
 </p:sld>
 </file>
 
-<file path=ppt/slides/slide25.xml><?xml version="1.0" encoding="utf-8"?>
+<file path=ppt/slides/slide24.xml><?xml version="1.0" encoding="utf-8"?>
 <p:sld xmlns:a="http://schemas.openxmlformats.org/drawingml/2006/main" xmlns:r="http://schemas.openxmlformats.org/officeDocument/2006/relationships" xmlns:p="http://schemas.openxmlformats.org/presentationml/2006/main">
   <p:cSld>
     <p:spTree>
@@ -9487,7 +9361,7 @@
 </p:sld>
 </file>
 
-<file path=ppt/slides/slide26.xml><?xml version="1.0" encoding="utf-8"?>
+<file path=ppt/slides/slide25.xml><?xml version="1.0" encoding="utf-8"?>
 <p:sld xmlns:a="http://schemas.openxmlformats.org/drawingml/2006/main" xmlns:r="http://schemas.openxmlformats.org/officeDocument/2006/relationships" xmlns:p="http://schemas.openxmlformats.org/presentationml/2006/main">
   <p:cSld>
     <p:spTree>
@@ -9615,7 +9489,7 @@
 </p:sld>
 </file>
 
-<file path=ppt/slides/slide27.xml><?xml version="1.0" encoding="utf-8"?>
+<file path=ppt/slides/slide26.xml><?xml version="1.0" encoding="utf-8"?>
 <p:sld xmlns:a="http://schemas.openxmlformats.org/drawingml/2006/main" xmlns:r="http://schemas.openxmlformats.org/officeDocument/2006/relationships" xmlns:p="http://schemas.openxmlformats.org/presentationml/2006/main">
   <p:cSld>
     <p:spTree>
@@ -9738,7 +9612,7 @@
 </p:sld>
 </file>
 
-<file path=ppt/slides/slide28.xml><?xml version="1.0" encoding="utf-8"?>
+<file path=ppt/slides/slide27.xml><?xml version="1.0" encoding="utf-8"?>
 <p:sld xmlns:a="http://schemas.openxmlformats.org/drawingml/2006/main" xmlns:r="http://schemas.openxmlformats.org/officeDocument/2006/relationships" xmlns:p="http://schemas.openxmlformats.org/presentationml/2006/main">
   <p:cSld>
     <p:spTree>
@@ -9880,7 +9754,7 @@
 </p:sld>
 </file>
 
-<file path=ppt/slides/slide29.xml><?xml version="1.0" encoding="utf-8"?>
+<file path=ppt/slides/slide28.xml><?xml version="1.0" encoding="utf-8"?>
 <p:sld xmlns:a="http://schemas.openxmlformats.org/drawingml/2006/main" xmlns:r="http://schemas.openxmlformats.org/officeDocument/2006/relationships" xmlns:p="http://schemas.openxmlformats.org/presentationml/2006/main">
   <p:cSld>
     <p:spTree>
@@ -10003,6 +9877,98 @@
 </p:sld>
 </file>
 
+<file path=ppt/slides/slide29.xml><?xml version="1.0" encoding="utf-8"?>
+<p:sld xmlns:a="http://schemas.openxmlformats.org/drawingml/2006/main" xmlns:r="http://schemas.openxmlformats.org/officeDocument/2006/relationships" xmlns:p="http://schemas.openxmlformats.org/presentationml/2006/main">
+  <p:cSld>
+    <p:spTree>
+      <p:nvGrpSpPr>
+        <p:cNvPr id="1" name=""/>
+        <p:cNvGrpSpPr/>
+        <p:nvPr/>
+      </p:nvGrpSpPr>
+      <p:grpSpPr>
+        <a:xfrm>
+          <a:off x="0" y="0"/>
+          <a:ext cx="0" cy="0"/>
+          <a:chOff x="0" y="0"/>
+          <a:chExt cx="0" cy="0"/>
+        </a:xfrm>
+      </p:grpSpPr>
+      <p:sp>
+        <p:nvSpPr>
+          <p:cNvPr id="2" name="Titre 1">
+            <a:extLst>
+              <a:ext uri="{FF2B5EF4-FFF2-40B4-BE49-F238E27FC236}">
+                <a16:creationId xmlns:a16="http://schemas.microsoft.com/office/drawing/2014/main" id="{78F33B77-6DBF-43B1-A99F-EC083BA23099}"/>
+              </a:ext>
+            </a:extLst>
+          </p:cNvPr>
+          <p:cNvSpPr>
+            <a:spLocks noGrp="1"/>
+          </p:cNvSpPr>
+          <p:nvPr>
+            <p:ph type="title"/>
+          </p:nvPr>
+        </p:nvSpPr>
+        <p:spPr/>
+        <p:txBody>
+          <a:bodyPr/>
+          <a:lstStyle/>
+          <a:p>
+            <a:r>
+              <a:rPr lang="fr-FR" dirty="0"/>
+              <a:t>Spring JDBC</a:t>
+            </a:r>
+          </a:p>
+        </p:txBody>
+      </p:sp>
+      <p:sp>
+        <p:nvSpPr>
+          <p:cNvPr id="3" name="Espace réservé du contenu 2">
+            <a:extLst>
+              <a:ext uri="{FF2B5EF4-FFF2-40B4-BE49-F238E27FC236}">
+                <a16:creationId xmlns:a16="http://schemas.microsoft.com/office/drawing/2014/main" id="{3CFEA391-C048-42DD-A6F9-2EF722A230E7}"/>
+              </a:ext>
+            </a:extLst>
+          </p:cNvPr>
+          <p:cNvSpPr>
+            <a:spLocks noGrp="1"/>
+          </p:cNvSpPr>
+          <p:nvPr>
+            <p:ph idx="1"/>
+          </p:nvPr>
+        </p:nvSpPr>
+        <p:spPr/>
+        <p:txBody>
+          <a:bodyPr/>
+          <a:lstStyle/>
+          <a:p>
+            <a:r>
+              <a:rPr lang="fr-FR" dirty="0"/>
+              <a:t>Permet d'accéder en bas niveau à JDBC</a:t>
+            </a:r>
+          </a:p>
+          <a:p>
+            <a:r>
+              <a:rPr lang="fr-FR" dirty="0"/>
+              <a:t>Sous couche de JPA</a:t>
+            </a:r>
+          </a:p>
+        </p:txBody>
+      </p:sp>
+    </p:spTree>
+    <p:extLst>
+      <p:ext uri="{BB962C8B-B14F-4D97-AF65-F5344CB8AC3E}">
+        <p14:creationId xmlns:p14="http://schemas.microsoft.com/office/powerpoint/2010/main" val="3520437647"/>
+      </p:ext>
+    </p:extLst>
+  </p:cSld>
+  <p:clrMapOvr>
+    <a:masterClrMapping/>
+  </p:clrMapOvr>
+</p:sld>
+</file>
+
 <file path=ppt/slides/slide3.xml><?xml version="1.0" encoding="utf-8"?>
 <p:sld xmlns:a="http://schemas.openxmlformats.org/drawingml/2006/main" xmlns:r="http://schemas.openxmlformats.org/officeDocument/2006/relationships" xmlns:p="http://schemas.openxmlformats.org/presentationml/2006/main">
   <p:cSld>
@@ -10146,6 +10112,380 @@
 </file>
 
 <file path=ppt/slides/slide30.xml><?xml version="1.0" encoding="utf-8"?>
+<p:sld xmlns:a="http://schemas.openxmlformats.org/drawingml/2006/main" xmlns:r="http://schemas.openxmlformats.org/officeDocument/2006/relationships" xmlns:p="http://schemas.openxmlformats.org/presentationml/2006/main">
+  <p:cSld>
+    <p:spTree>
+      <p:nvGrpSpPr>
+        <p:cNvPr id="1" name=""/>
+        <p:cNvGrpSpPr/>
+        <p:nvPr/>
+      </p:nvGrpSpPr>
+      <p:grpSpPr>
+        <a:xfrm>
+          <a:off x="0" y="0"/>
+          <a:ext cx="0" cy="0"/>
+          <a:chOff x="0" y="0"/>
+          <a:chExt cx="0" cy="0"/>
+        </a:xfrm>
+      </p:grpSpPr>
+      <p:sp>
+        <p:nvSpPr>
+          <p:cNvPr id="19458" name="Titre 1"/>
+          <p:cNvSpPr>
+            <a:spLocks noGrp="1"/>
+          </p:cNvSpPr>
+          <p:nvPr>
+            <p:ph type="title"/>
+          </p:nvPr>
+        </p:nvSpPr>
+        <p:spPr/>
+        <p:txBody>
+          <a:bodyPr/>
+          <a:lstStyle/>
+          <a:p>
+            <a:r>
+              <a:rPr lang="fr-FR" altLang="fr-FR"/>
+              <a:t>Configuration</a:t>
+            </a:r>
+          </a:p>
+        </p:txBody>
+      </p:sp>
+      <p:sp>
+        <p:nvSpPr>
+          <p:cNvPr id="19459" name="Espace réservé du contenu 2"/>
+          <p:cNvSpPr>
+            <a:spLocks noGrp="1"/>
+          </p:cNvSpPr>
+          <p:nvPr>
+            <p:ph idx="1"/>
+          </p:nvPr>
+        </p:nvSpPr>
+        <p:spPr/>
+        <p:txBody>
+          <a:bodyPr/>
+          <a:lstStyle/>
+          <a:p>
+            <a:r>
+              <a:rPr lang="fr-FR" altLang="fr-FR"/>
+              <a:t>Application.properties</a:t>
+            </a:r>
+          </a:p>
+          <a:p>
+            <a:pPr lvl="1"/>
+            <a:r>
+              <a:rPr lang="fr-FR" altLang="fr-FR" sz="1800">
+                <a:latin typeface="Courier New" panose="02070309020205020404" pitchFamily="49" charset="0"/>
+                <a:cs typeface="Courier New" panose="02070309020205020404" pitchFamily="49" charset="0"/>
+              </a:rPr>
+              <a:t>spring.jpa.hibernate.ddl-auto=none</a:t>
+            </a:r>
+          </a:p>
+          <a:p>
+            <a:pPr lvl="1"/>
+            <a:r>
+              <a:rPr lang="fr-FR" altLang="fr-FR" sz="1800">
+                <a:latin typeface="Courier New" panose="02070309020205020404" pitchFamily="49" charset="0"/>
+                <a:cs typeface="Courier New" panose="02070309020205020404" pitchFamily="49" charset="0"/>
+              </a:rPr>
+              <a:t>spring.datasource.initialization-mode=always</a:t>
+            </a:r>
+          </a:p>
+          <a:p>
+            <a:pPr lvl="1"/>
+            <a:r>
+              <a:rPr lang="fr-FR" altLang="fr-FR" sz="1800">
+                <a:latin typeface="Courier New" panose="02070309020205020404" pitchFamily="49" charset="0"/>
+                <a:cs typeface="Courier New" panose="02070309020205020404" pitchFamily="49" charset="0"/>
+              </a:rPr>
+              <a:t>spring.datasource.platform=postgres</a:t>
+            </a:r>
+          </a:p>
+          <a:p>
+            <a:pPr lvl="1"/>
+            <a:r>
+              <a:rPr lang="fr-FR" altLang="fr-FR" sz="1800">
+                <a:latin typeface="Courier New" panose="02070309020205020404" pitchFamily="49" charset="0"/>
+                <a:cs typeface="Courier New" panose="02070309020205020404" pitchFamily="49" charset="0"/>
+              </a:rPr>
+              <a:t>spring.datasource.url=jdbc:postgresql://localhost:5432/postgres</a:t>
+            </a:r>
+          </a:p>
+          <a:p>
+            <a:pPr lvl="1"/>
+            <a:r>
+              <a:rPr lang="fr-FR" altLang="fr-FR" sz="1800">
+                <a:latin typeface="Courier New" panose="02070309020205020404" pitchFamily="49" charset="0"/>
+                <a:cs typeface="Courier New" panose="02070309020205020404" pitchFamily="49" charset="0"/>
+              </a:rPr>
+              <a:t>spring.datasource.username=postgres</a:t>
+            </a:r>
+          </a:p>
+          <a:p>
+            <a:pPr lvl="1"/>
+            <a:r>
+              <a:rPr lang="fr-FR" altLang="fr-FR" sz="1800">
+                <a:latin typeface="Courier New" panose="02070309020205020404" pitchFamily="49" charset="0"/>
+                <a:cs typeface="Courier New" panose="02070309020205020404" pitchFamily="49" charset="0"/>
+              </a:rPr>
+              <a:t>spring.datasource.password=sa</a:t>
+            </a:r>
+          </a:p>
+        </p:txBody>
+      </p:sp>
+    </p:spTree>
+    <p:extLst>
+      <p:ext uri="{BB962C8B-B14F-4D97-AF65-F5344CB8AC3E}">
+        <p14:creationId xmlns:p14="http://schemas.microsoft.com/office/powerpoint/2010/main" val="3091815942"/>
+      </p:ext>
+    </p:extLst>
+  </p:cSld>
+  <p:clrMapOvr>
+    <a:masterClrMapping/>
+  </p:clrMapOvr>
+</p:sld>
+</file>
+
+<file path=ppt/slides/slide31.xml><?xml version="1.0" encoding="utf-8"?>
+<p:sld xmlns:a="http://schemas.openxmlformats.org/drawingml/2006/main" xmlns:r="http://schemas.openxmlformats.org/officeDocument/2006/relationships" xmlns:p="http://schemas.openxmlformats.org/presentationml/2006/main">
+  <p:cSld>
+    <p:spTree>
+      <p:nvGrpSpPr>
+        <p:cNvPr id="1" name=""/>
+        <p:cNvGrpSpPr/>
+        <p:nvPr/>
+      </p:nvGrpSpPr>
+      <p:grpSpPr>
+        <a:xfrm>
+          <a:off x="0" y="0"/>
+          <a:ext cx="0" cy="0"/>
+          <a:chOff x="0" y="0"/>
+          <a:chExt cx="0" cy="0"/>
+        </a:xfrm>
+      </p:grpSpPr>
+      <p:sp>
+        <p:nvSpPr>
+          <p:cNvPr id="2" name="Titre 1">
+            <a:extLst>
+              <a:ext uri="{FF2B5EF4-FFF2-40B4-BE49-F238E27FC236}">
+                <a16:creationId xmlns:a16="http://schemas.microsoft.com/office/drawing/2014/main" id="{B5BB41A8-83C5-4959-863F-010167609163}"/>
+              </a:ext>
+            </a:extLst>
+          </p:cNvPr>
+          <p:cNvSpPr>
+            <a:spLocks noGrp="1"/>
+          </p:cNvSpPr>
+          <p:nvPr>
+            <p:ph type="title"/>
+          </p:nvPr>
+        </p:nvSpPr>
+        <p:spPr/>
+        <p:txBody>
+          <a:bodyPr/>
+          <a:lstStyle/>
+          <a:p>
+            <a:r>
+              <a:rPr lang="fr-FR" dirty="0"/>
+              <a:t>Accès aux </a:t>
+            </a:r>
+            <a:r>
+              <a:rPr lang="fr-FR" dirty="0" err="1"/>
+              <a:t>properties</a:t>
+            </a:r>
+            <a:endParaRPr lang="fr-FR" dirty="0"/>
+          </a:p>
+        </p:txBody>
+      </p:sp>
+      <p:sp>
+        <p:nvSpPr>
+          <p:cNvPr id="3" name="Espace réservé du contenu 2">
+            <a:extLst>
+              <a:ext uri="{FF2B5EF4-FFF2-40B4-BE49-F238E27FC236}">
+                <a16:creationId xmlns:a16="http://schemas.microsoft.com/office/drawing/2014/main" id="{C0C70D7B-26DA-42DE-9976-E597A4E54F35}"/>
+              </a:ext>
+            </a:extLst>
+          </p:cNvPr>
+          <p:cNvSpPr>
+            <a:spLocks noGrp="1"/>
+          </p:cNvSpPr>
+          <p:nvPr>
+            <p:ph idx="1"/>
+          </p:nvPr>
+        </p:nvSpPr>
+        <p:spPr/>
+        <p:txBody>
+          <a:bodyPr/>
+          <a:lstStyle/>
+          <a:p>
+            <a:r>
+              <a:rPr lang="fr-FR" dirty="0"/>
+              <a:t>@Autowired</a:t>
+            </a:r>
+          </a:p>
+          <a:p>
+            <a:r>
+              <a:rPr lang="fr-FR" dirty="0" err="1"/>
+              <a:t>Environment</a:t>
+            </a:r>
+            <a:r>
+              <a:rPr lang="fr-FR" dirty="0"/>
+              <a:t> </a:t>
+            </a:r>
+            <a:r>
+              <a:rPr lang="fr-FR" dirty="0" err="1"/>
+              <a:t>environment</a:t>
+            </a:r>
+            <a:r>
+              <a:rPr lang="fr-FR" dirty="0"/>
+              <a:t>;</a:t>
+            </a:r>
+          </a:p>
+          <a:p>
+            <a:r>
+              <a:rPr lang="fr-FR" dirty="0" err="1"/>
+              <a:t>environment.getProperty</a:t>
+            </a:r>
+            <a:r>
+              <a:rPr lang="fr-FR" dirty="0"/>
+              <a:t>("spring.name")</a:t>
+            </a:r>
+          </a:p>
+        </p:txBody>
+      </p:sp>
+    </p:spTree>
+    <p:extLst>
+      <p:ext uri="{BB962C8B-B14F-4D97-AF65-F5344CB8AC3E}">
+        <p14:creationId xmlns:p14="http://schemas.microsoft.com/office/powerpoint/2010/main" val="3335550531"/>
+      </p:ext>
+    </p:extLst>
+  </p:cSld>
+  <p:clrMapOvr>
+    <a:masterClrMapping/>
+  </p:clrMapOvr>
+</p:sld>
+</file>
+
+<file path=ppt/slides/slide32.xml><?xml version="1.0" encoding="utf-8"?>
+<p:sld xmlns:a="http://schemas.openxmlformats.org/drawingml/2006/main" xmlns:r="http://schemas.openxmlformats.org/officeDocument/2006/relationships" xmlns:p="http://schemas.openxmlformats.org/presentationml/2006/main">
+  <p:cSld>
+    <p:spTree>
+      <p:nvGrpSpPr>
+        <p:cNvPr id="1" name=""/>
+        <p:cNvGrpSpPr/>
+        <p:nvPr/>
+      </p:nvGrpSpPr>
+      <p:grpSpPr>
+        <a:xfrm>
+          <a:off x="0" y="0"/>
+          <a:ext cx="0" cy="0"/>
+          <a:chOff x="0" y="0"/>
+          <a:chExt cx="0" cy="0"/>
+        </a:xfrm>
+      </p:grpSpPr>
+      <p:sp>
+        <p:nvSpPr>
+          <p:cNvPr id="2" name="Titre 1">
+            <a:extLst>
+              <a:ext uri="{FF2B5EF4-FFF2-40B4-BE49-F238E27FC236}">
+                <a16:creationId xmlns:a16="http://schemas.microsoft.com/office/drawing/2014/main" id="{2CE25086-34CE-4B62-8F14-D36A6A5D7454}"/>
+              </a:ext>
+            </a:extLst>
+          </p:cNvPr>
+          <p:cNvSpPr>
+            <a:spLocks noGrp="1"/>
+          </p:cNvSpPr>
+          <p:nvPr>
+            <p:ph type="title"/>
+          </p:nvPr>
+        </p:nvSpPr>
+        <p:spPr/>
+        <p:txBody>
+          <a:bodyPr/>
+          <a:lstStyle/>
+          <a:p>
+            <a:r>
+              <a:rPr lang="fr-FR" dirty="0"/>
+              <a:t>Création d'une </a:t>
+            </a:r>
+            <a:r>
+              <a:rPr lang="fr-FR" dirty="0" err="1"/>
+              <a:t>datasource</a:t>
+            </a:r>
+            <a:r>
+              <a:rPr lang="fr-FR" dirty="0"/>
+              <a:t> par programmation</a:t>
+            </a:r>
+          </a:p>
+        </p:txBody>
+      </p:sp>
+      <p:sp>
+        <p:nvSpPr>
+          <p:cNvPr id="3" name="Espace réservé du contenu 2">
+            <a:extLst>
+              <a:ext uri="{FF2B5EF4-FFF2-40B4-BE49-F238E27FC236}">
+                <a16:creationId xmlns:a16="http://schemas.microsoft.com/office/drawing/2014/main" id="{7B01C497-E57D-40A0-85C0-CD8050148425}"/>
+              </a:ext>
+            </a:extLst>
+          </p:cNvPr>
+          <p:cNvSpPr>
+            <a:spLocks noGrp="1"/>
+          </p:cNvSpPr>
+          <p:nvPr>
+            <p:ph idx="1"/>
+          </p:nvPr>
+        </p:nvSpPr>
+        <p:spPr/>
+        <p:txBody>
+          <a:bodyPr/>
+          <a:lstStyle/>
+          <a:p>
+            <a:endParaRPr lang="fr-FR"/>
+          </a:p>
+        </p:txBody>
+      </p:sp>
+      <p:pic>
+        <p:nvPicPr>
+          <p:cNvPr id="4" name="Image 3">
+            <a:extLst>
+              <a:ext uri="{FF2B5EF4-FFF2-40B4-BE49-F238E27FC236}">
+                <a16:creationId xmlns:a16="http://schemas.microsoft.com/office/drawing/2014/main" id="{92C199EB-F237-46D3-AABF-5DD1661438AD}"/>
+              </a:ext>
+            </a:extLst>
+          </p:cNvPr>
+          <p:cNvPicPr>
+            <a:picLocks noChangeAspect="1"/>
+          </p:cNvPicPr>
+          <p:nvPr/>
+        </p:nvPicPr>
+        <p:blipFill>
+          <a:blip r:embed="rId2"/>
+          <a:stretch>
+            <a:fillRect/>
+          </a:stretch>
+        </p:blipFill>
+        <p:spPr>
+          <a:xfrm>
+            <a:off x="971600" y="2014421"/>
+            <a:ext cx="7534275" cy="3171825"/>
+          </a:xfrm>
+          <a:prstGeom prst="rect">
+            <a:avLst/>
+          </a:prstGeom>
+        </p:spPr>
+      </p:pic>
+    </p:spTree>
+    <p:extLst>
+      <p:ext uri="{BB962C8B-B14F-4D97-AF65-F5344CB8AC3E}">
+        <p14:creationId xmlns:p14="http://schemas.microsoft.com/office/powerpoint/2010/main" val="3638331178"/>
+      </p:ext>
+    </p:extLst>
+  </p:cSld>
+  <p:clrMapOvr>
+    <a:masterClrMapping/>
+  </p:clrMapOvr>
+</p:sld>
+</file>
+
+<file path=ppt/slides/slide33.xml><?xml version="1.0" encoding="utf-8"?>
 <p:sld xmlns:a="http://schemas.openxmlformats.org/drawingml/2006/main" xmlns:r="http://schemas.openxmlformats.org/officeDocument/2006/relationships" xmlns:p="http://schemas.openxmlformats.org/presentationml/2006/main">
   <p:cSld>
     <p:spTree>
@@ -10256,7 +10596,7 @@
     </p:spTree>
     <p:extLst>
       <p:ext uri="{BB962C8B-B14F-4D97-AF65-F5344CB8AC3E}">
-        <p14:creationId xmlns:p14="http://schemas.microsoft.com/office/powerpoint/2010/main" val="2843885034"/>
+        <p14:creationId xmlns:p14="http://schemas.microsoft.com/office/powerpoint/2010/main" val="338447929"/>
       </p:ext>
     </p:extLst>
   </p:cSld>
@@ -10266,7 +10606,7 @@
 </p:sld>
 </file>
 
-<file path=ppt/slides/slide31.xml><?xml version="1.0" encoding="utf-8"?>
+<file path=ppt/slides/slide34.xml><?xml version="1.0" encoding="utf-8"?>
 <p:sld xmlns:a="http://schemas.openxmlformats.org/drawingml/2006/main" xmlns:r="http://schemas.openxmlformats.org/officeDocument/2006/relationships" xmlns:p="http://schemas.openxmlformats.org/presentationml/2006/main">
   <p:cSld>
     <p:spTree>
@@ -10288,7 +10628,7 @@
           <p:cNvPr id="2" name="Titre 1">
             <a:extLst>
               <a:ext uri="{FF2B5EF4-FFF2-40B4-BE49-F238E27FC236}">
-                <a16:creationId xmlns:a16="http://schemas.microsoft.com/office/drawing/2014/main" id="{2CE25086-34CE-4B62-8F14-D36A6A5D7454}"/>
+                <a16:creationId xmlns:a16="http://schemas.microsoft.com/office/drawing/2014/main" id="{38418306-EDDC-4F97-B9A7-1C1CCD3BFA5F}"/>
               </a:ext>
             </a:extLst>
           </p:cNvPr>
@@ -10305,17 +10645,18 @@
           <a:lstStyle/>
           <a:p>
             <a:r>
+              <a:rPr lang="fr-FR" dirty="0" err="1"/>
+              <a:t>Autowired</a:t>
+            </a:r>
+            <a:r>
               <a:rPr lang="fr-FR" dirty="0"/>
-              <a:t>Création d'une </a:t>
+              <a:t> </a:t>
             </a:r>
             <a:r>
               <a:rPr lang="fr-FR" dirty="0" err="1"/>
               <a:t>datasource</a:t>
             </a:r>
-            <a:r>
-              <a:rPr lang="fr-FR" dirty="0"/>
-              <a:t> par programmation</a:t>
-            </a:r>
+            <a:endParaRPr lang="fr-FR" dirty="0"/>
           </a:p>
         </p:txBody>
       </p:sp>
@@ -10324,7 +10665,7 @@
           <p:cNvPr id="3" name="Espace réservé du contenu 2">
             <a:extLst>
               <a:ext uri="{FF2B5EF4-FFF2-40B4-BE49-F238E27FC236}">
-                <a16:creationId xmlns:a16="http://schemas.microsoft.com/office/drawing/2014/main" id="{7B01C497-E57D-40A0-85C0-CD8050148425}"/>
+                <a16:creationId xmlns:a16="http://schemas.microsoft.com/office/drawing/2014/main" id="{53F4EE15-78F5-4596-B36F-D3F2A225CE9B}"/>
               </a:ext>
             </a:extLst>
           </p:cNvPr>
@@ -10340,44 +10681,40 @@
           <a:bodyPr/>
           <a:lstStyle/>
           <a:p>
-            <a:endParaRPr lang="fr-FR"/>
+            <a:r>
+              <a:rPr lang="fr-FR" dirty="0"/>
+              <a:t>@Autowired</a:t>
+            </a:r>
+          </a:p>
+          <a:p>
+            <a:r>
+              <a:rPr lang="fr-FR" dirty="0" err="1"/>
+              <a:t>private</a:t>
+            </a:r>
+            <a:r>
+              <a:rPr lang="fr-FR" dirty="0"/>
+              <a:t> </a:t>
+            </a:r>
+            <a:r>
+              <a:rPr lang="fr-FR" dirty="0" err="1"/>
+              <a:t>DataSource</a:t>
+            </a:r>
+            <a:r>
+              <a:rPr lang="fr-FR" dirty="0"/>
+              <a:t> </a:t>
+            </a:r>
+            <a:r>
+              <a:rPr lang="fr-FR" dirty="0" err="1"/>
+              <a:t>dataSource</a:t>
+            </a:r>
+            <a:endParaRPr lang="fr-FR" dirty="0"/>
           </a:p>
         </p:txBody>
       </p:sp>
-      <p:pic>
-        <p:nvPicPr>
-          <p:cNvPr id="4" name="Image 3">
-            <a:extLst>
-              <a:ext uri="{FF2B5EF4-FFF2-40B4-BE49-F238E27FC236}">
-                <a16:creationId xmlns:a16="http://schemas.microsoft.com/office/drawing/2014/main" id="{92C199EB-F237-46D3-AABF-5DD1661438AD}"/>
-              </a:ext>
-            </a:extLst>
-          </p:cNvPr>
-          <p:cNvPicPr>
-            <a:picLocks noChangeAspect="1"/>
-          </p:cNvPicPr>
-          <p:nvPr/>
-        </p:nvPicPr>
-        <p:blipFill>
-          <a:blip r:embed="rId2"/>
-          <a:stretch>
-            <a:fillRect/>
-          </a:stretch>
-        </p:blipFill>
-        <p:spPr>
-          <a:xfrm>
-            <a:off x="971600" y="2014421"/>
-            <a:ext cx="7534275" cy="3171825"/>
-          </a:xfrm>
-          <a:prstGeom prst="rect">
-            <a:avLst/>
-          </a:prstGeom>
-        </p:spPr>
-      </p:pic>
     </p:spTree>
     <p:extLst>
       <p:ext uri="{BB962C8B-B14F-4D97-AF65-F5344CB8AC3E}">
-        <p14:creationId xmlns:p14="http://schemas.microsoft.com/office/powerpoint/2010/main" val="1998469025"/>
+        <p14:creationId xmlns:p14="http://schemas.microsoft.com/office/powerpoint/2010/main" val="179103993"/>
       </p:ext>
     </p:extLst>
   </p:cSld>
@@ -10387,7 +10724,7 @@
 </p:sld>
 </file>
 
-<file path=ppt/slides/slide32.xml><?xml version="1.0" encoding="utf-8"?>
+<file path=ppt/slides/slide35.xml><?xml version="1.0" encoding="utf-8"?>
 <p:sld xmlns:a="http://schemas.openxmlformats.org/drawingml/2006/main" xmlns:r="http://schemas.openxmlformats.org/officeDocument/2006/relationships" xmlns:p="http://schemas.openxmlformats.org/presentationml/2006/main">
   <p:cSld>
     <p:spTree>
@@ -10493,7 +10830,7 @@
     </p:spTree>
     <p:extLst>
       <p:ext uri="{BB962C8B-B14F-4D97-AF65-F5344CB8AC3E}">
-        <p14:creationId xmlns:p14="http://schemas.microsoft.com/office/powerpoint/2010/main" val="3484315666"/>
+        <p14:creationId xmlns:p14="http://schemas.microsoft.com/office/powerpoint/2010/main" val="1701739371"/>
       </p:ext>
     </p:extLst>
   </p:cSld>

--- a/ppt/Spring-07-SpringJPASQL.pptx
+++ b/ppt/Spring-07-SpringJPASQL.pptx
@@ -4349,60 +4349,6 @@
           <a:xfrm>
             <a:off x="-17463" y="4508500"/>
             <a:ext cx="8991601" cy="1019175"/>
-          </a:xfrm>
-          <a:prstGeom prst="rect">
-            <a:avLst/>
-          </a:prstGeom>
-          <a:noFill/>
-          <a:ln>
-            <a:noFill/>
-          </a:ln>
-          <a:extLst>
-            <a:ext uri="{909E8E84-426E-40DD-AFC4-6F175D3DCCD1}">
-              <a14:hiddenFill xmlns:a14="http://schemas.microsoft.com/office/drawing/2010/main">
-                <a:solidFill>
-                  <a:srgbClr val="FFFFFF"/>
-                </a:solidFill>
-              </a14:hiddenFill>
-            </a:ext>
-            <a:ext uri="{91240B29-F687-4F45-9708-019B960494DF}">
-              <a14:hiddenLine xmlns:a14="http://schemas.microsoft.com/office/drawing/2010/main" w="9525">
-                <a:solidFill>
-                  <a:srgbClr val="000000"/>
-                </a:solidFill>
-                <a:miter lim="800000"/>
-                <a:headEnd/>
-                <a:tailEnd/>
-              </a14:hiddenLine>
-            </a:ext>
-          </a:extLst>
-        </p:spPr>
-      </p:pic>
-      <p:pic>
-        <p:nvPicPr>
-          <p:cNvPr id="18437" name="Image 4"/>
-          <p:cNvPicPr>
-            <a:picLocks noChangeAspect="1"/>
-          </p:cNvPicPr>
-          <p:nvPr/>
-        </p:nvPicPr>
-        <p:blipFill>
-          <a:blip r:embed="rId3">
-            <a:extLst>
-              <a:ext uri="{28A0092B-C50C-407E-A947-70E740481C1C}">
-                <a14:useLocalDpi xmlns:a14="http://schemas.microsoft.com/office/drawing/2010/main" val="0"/>
-              </a:ext>
-            </a:extLst>
-          </a:blip>
-          <a:srcRect/>
-          <a:stretch>
-            <a:fillRect/>
-          </a:stretch>
-        </p:blipFill>
-        <p:spPr bwMode="auto">
-          <a:xfrm>
-            <a:off x="1331913" y="5553075"/>
-            <a:ext cx="7219950" cy="838200"/>
           </a:xfrm>
           <a:prstGeom prst="rect">
             <a:avLst/>

--- a/ppt/Spring-07-SpringJPASQL.pptx
+++ b/ppt/Spring-07-SpringJPASQL.pptx
@@ -5,10 +5,10 @@
     <p:sldMasterId id="2147483653" r:id="rId1"/>
   </p:sldMasterIdLst>
   <p:notesMasterIdLst>
-    <p:notesMasterId r:id="rId37"/>
+    <p:notesMasterId r:id="rId38"/>
   </p:notesMasterIdLst>
   <p:handoutMasterIdLst>
-    <p:handoutMasterId r:id="rId38"/>
+    <p:handoutMasterId r:id="rId39"/>
   </p:handoutMasterIdLst>
   <p:sldIdLst>
     <p:sldId id="264" r:id="rId2"/>
@@ -29,23 +29,24 @@
     <p:sldId id="417" r:id="rId17"/>
     <p:sldId id="418" r:id="rId18"/>
     <p:sldId id="419" r:id="rId19"/>
-    <p:sldId id="421" r:id="rId20"/>
-    <p:sldId id="420" r:id="rId21"/>
-    <p:sldId id="409" r:id="rId22"/>
-    <p:sldId id="416" r:id="rId23"/>
-    <p:sldId id="357" r:id="rId24"/>
-    <p:sldId id="422" r:id="rId25"/>
-    <p:sldId id="424" r:id="rId26"/>
-    <p:sldId id="423" r:id="rId27"/>
-    <p:sldId id="425" r:id="rId28"/>
-    <p:sldId id="426" r:id="rId29"/>
-    <p:sldId id="433" r:id="rId30"/>
-    <p:sldId id="427" r:id="rId31"/>
-    <p:sldId id="432" r:id="rId32"/>
-    <p:sldId id="429" r:id="rId33"/>
-    <p:sldId id="430" r:id="rId34"/>
-    <p:sldId id="431" r:id="rId35"/>
-    <p:sldId id="428" r:id="rId36"/>
+    <p:sldId id="434" r:id="rId20"/>
+    <p:sldId id="421" r:id="rId21"/>
+    <p:sldId id="420" r:id="rId22"/>
+    <p:sldId id="409" r:id="rId23"/>
+    <p:sldId id="416" r:id="rId24"/>
+    <p:sldId id="357" r:id="rId25"/>
+    <p:sldId id="422" r:id="rId26"/>
+    <p:sldId id="424" r:id="rId27"/>
+    <p:sldId id="423" r:id="rId28"/>
+    <p:sldId id="425" r:id="rId29"/>
+    <p:sldId id="426" r:id="rId30"/>
+    <p:sldId id="433" r:id="rId31"/>
+    <p:sldId id="427" r:id="rId32"/>
+    <p:sldId id="432" r:id="rId33"/>
+    <p:sldId id="429" r:id="rId34"/>
+    <p:sldId id="430" r:id="rId35"/>
+    <p:sldId id="431" r:id="rId36"/>
+    <p:sldId id="428" r:id="rId37"/>
   </p:sldIdLst>
   <p:sldSz cx="9144000" cy="6858000" type="screen4x3"/>
   <p:notesSz cx="6648450" cy="9782175"/>
@@ -5403,7 +5404,13 @@
       </p:grpSpPr>
       <p:sp>
         <p:nvSpPr>
-          <p:cNvPr id="28674" name="Titre 1"/>
+          <p:cNvPr id="2" name="Titre 1">
+            <a:extLst>
+              <a:ext uri="{FF2B5EF4-FFF2-40B4-BE49-F238E27FC236}">
+                <a16:creationId xmlns:a16="http://schemas.microsoft.com/office/drawing/2014/main" id="{6F46901D-6750-4DB0-9D42-D1D610B76B58}"/>
+              </a:ext>
+            </a:extLst>
+          </p:cNvPr>
           <p:cNvSpPr>
             <a:spLocks noGrp="1"/>
           </p:cNvSpPr>
@@ -5417,15 +5424,22 @@
           <a:lstStyle/>
           <a:p>
             <a:r>
-              <a:rPr lang="fr-FR" altLang="fr-FR"/>
-              <a:t>Lazy Loading</a:t>
-            </a:r>
+              <a:rPr lang="fr-FR" dirty="0" err="1"/>
+              <a:t>JpaRepository</a:t>
+            </a:r>
+            <a:endParaRPr lang="fr-FR" dirty="0"/>
           </a:p>
         </p:txBody>
       </p:sp>
       <p:sp>
         <p:nvSpPr>
-          <p:cNvPr id="28675" name="Espace réservé du contenu 2"/>
+          <p:cNvPr id="3" name="Espace réservé du contenu 2">
+            <a:extLst>
+              <a:ext uri="{FF2B5EF4-FFF2-40B4-BE49-F238E27FC236}">
+                <a16:creationId xmlns:a16="http://schemas.microsoft.com/office/drawing/2014/main" id="{DB64F4AF-5FEA-4411-B3FE-7EED15C05AB2}"/>
+              </a:ext>
+            </a:extLst>
+          </p:cNvPr>
           <p:cNvSpPr>
             <a:spLocks noGrp="1"/>
           </p:cNvSpPr>
@@ -5439,31 +5453,61 @@
           <a:lstStyle/>
           <a:p>
             <a:r>
-              <a:rPr lang="fr-FR" altLang="fr-FR" sz="2400"/>
-              <a:t>Le lazy loading consiste à charger des objets uniquement lorsque l'on y accède explicitement</a:t>
-            </a:r>
-          </a:p>
-          <a:p>
-            <a:r>
-              <a:rPr lang="fr-FR" altLang="fr-FR" sz="2400"/>
-              <a:t>Livre peut posséder un attribut de type Utilisateur qui ne sera chargé que si l'ont y accède</a:t>
-            </a:r>
-          </a:p>
-          <a:p>
-            <a:r>
-              <a:rPr lang="fr-FR" altLang="fr-FR" sz="2400"/>
-              <a:t>Activé par défaut dans les relations *ToMany</a:t>
-            </a:r>
-          </a:p>
-          <a:p>
-            <a:r>
-              <a:rPr lang="fr-FR" altLang="fr-FR" sz="2400"/>
-              <a:t>Désactivé par défaut dans les relations ToOne</a:t>
+              <a:rPr lang="fr-FR" dirty="0"/>
+              <a:t>Etends </a:t>
+            </a:r>
+            <a:r>
+              <a:rPr lang="fr-FR" dirty="0" err="1"/>
+              <a:t>PagingAndSorting</a:t>
+            </a:r>
+            <a:endParaRPr lang="fr-FR" dirty="0"/>
+          </a:p>
+          <a:p>
+            <a:r>
+              <a:rPr lang="fr-FR" dirty="0"/>
+              <a:t>Plus puissant que </a:t>
+            </a:r>
+            <a:r>
+              <a:rPr lang="fr-FR" dirty="0" err="1"/>
+              <a:t>CrudRepository</a:t>
+            </a:r>
+            <a:r>
+              <a:rPr lang="fr-FR" dirty="0"/>
+              <a:t> car permet d'avoir des </a:t>
+            </a:r>
+            <a:r>
+              <a:rPr lang="fr-FR" dirty="0" err="1"/>
+              <a:t>stream</a:t>
+            </a:r>
+            <a:endParaRPr lang="fr-FR" dirty="0"/>
+          </a:p>
+          <a:p>
+            <a:pPr lvl="1"/>
+            <a:r>
+              <a:rPr lang="fr-FR" dirty="0" err="1"/>
+              <a:t>findAll</a:t>
+            </a:r>
+            <a:r>
+              <a:rPr lang="fr-FR" dirty="0"/>
+              <a:t>().</a:t>
+            </a:r>
+            <a:r>
+              <a:rPr lang="fr-FR" dirty="0" err="1"/>
+              <a:t>stream</a:t>
+            </a:r>
+            <a:r>
+              <a:rPr lang="fr-FR"/>
+              <a:t>()</a:t>
             </a:r>
           </a:p>
         </p:txBody>
       </p:sp>
     </p:spTree>
+    <p:extLst>
+      <p:ext uri="{BB962C8B-B14F-4D97-AF65-F5344CB8AC3E}">
+        <p14:creationId xmlns:p14="http://schemas.microsoft.com/office/powerpoint/2010/main" val="2279341106"/>
+      </p:ext>
+    </p:extLst>
   </p:cSld>
   <p:clrMapOvr>
     <a:masterClrMapping/>
@@ -8498,6 +8542,93 @@
       </p:grpSpPr>
       <p:sp>
         <p:nvSpPr>
+          <p:cNvPr id="28674" name="Titre 1"/>
+          <p:cNvSpPr>
+            <a:spLocks noGrp="1"/>
+          </p:cNvSpPr>
+          <p:nvPr>
+            <p:ph type="title"/>
+          </p:nvPr>
+        </p:nvSpPr>
+        <p:spPr/>
+        <p:txBody>
+          <a:bodyPr/>
+          <a:lstStyle/>
+          <a:p>
+            <a:r>
+              <a:rPr lang="fr-FR" altLang="fr-FR"/>
+              <a:t>Lazy Loading</a:t>
+            </a:r>
+          </a:p>
+        </p:txBody>
+      </p:sp>
+      <p:sp>
+        <p:nvSpPr>
+          <p:cNvPr id="28675" name="Espace réservé du contenu 2"/>
+          <p:cNvSpPr>
+            <a:spLocks noGrp="1"/>
+          </p:cNvSpPr>
+          <p:nvPr>
+            <p:ph idx="1"/>
+          </p:nvPr>
+        </p:nvSpPr>
+        <p:spPr/>
+        <p:txBody>
+          <a:bodyPr/>
+          <a:lstStyle/>
+          <a:p>
+            <a:r>
+              <a:rPr lang="fr-FR" altLang="fr-FR" sz="2400"/>
+              <a:t>Le lazy loading consiste à charger des objets uniquement lorsque l'on y accède explicitement</a:t>
+            </a:r>
+          </a:p>
+          <a:p>
+            <a:r>
+              <a:rPr lang="fr-FR" altLang="fr-FR" sz="2400"/>
+              <a:t>Livre peut posséder un attribut de type Utilisateur qui ne sera chargé que si l'ont y accède</a:t>
+            </a:r>
+          </a:p>
+          <a:p>
+            <a:r>
+              <a:rPr lang="fr-FR" altLang="fr-FR" sz="2400"/>
+              <a:t>Activé par défaut dans les relations *ToMany</a:t>
+            </a:r>
+          </a:p>
+          <a:p>
+            <a:r>
+              <a:rPr lang="fr-FR" altLang="fr-FR" sz="2400"/>
+              <a:t>Désactivé par défaut dans les relations ToOne</a:t>
+            </a:r>
+          </a:p>
+        </p:txBody>
+      </p:sp>
+    </p:spTree>
+  </p:cSld>
+  <p:clrMapOvr>
+    <a:masterClrMapping/>
+  </p:clrMapOvr>
+</p:sld>
+</file>
+
+<file path=ppt/slides/slide21.xml><?xml version="1.0" encoding="utf-8"?>
+<p:sld xmlns:a="http://schemas.openxmlformats.org/drawingml/2006/main" xmlns:r="http://schemas.openxmlformats.org/officeDocument/2006/relationships" xmlns:p="http://schemas.openxmlformats.org/presentationml/2006/main">
+  <p:cSld>
+    <p:spTree>
+      <p:nvGrpSpPr>
+        <p:cNvPr id="1" name=""/>
+        <p:cNvGrpSpPr/>
+        <p:nvPr/>
+      </p:nvGrpSpPr>
+      <p:grpSpPr>
+        <a:xfrm>
+          <a:off x="0" y="0"/>
+          <a:ext cx="0" cy="0"/>
+          <a:chOff x="0" y="0"/>
+          <a:chExt cx="0" cy="0"/>
+        </a:xfrm>
+      </p:grpSpPr>
+      <p:sp>
+        <p:nvSpPr>
           <p:cNvPr id="29698" name="Titre 1"/>
           <p:cNvSpPr>
             <a:spLocks noGrp="1"/>
@@ -8609,7 +8740,7 @@
 </p:sld>
 </file>
 
-<file path=ppt/slides/slide21.xml><?xml version="1.0" encoding="utf-8"?>
+<file path=ppt/slides/slide22.xml><?xml version="1.0" encoding="utf-8"?>
 <p:sld xmlns:a="http://schemas.openxmlformats.org/drawingml/2006/main" xmlns:r="http://schemas.openxmlformats.org/officeDocument/2006/relationships" xmlns:p="http://schemas.openxmlformats.org/presentationml/2006/main">
   <p:cSld>
     <p:spTree>
@@ -8783,7 +8914,7 @@
 </p:sld>
 </file>
 
-<file path=ppt/slides/slide22.xml><?xml version="1.0" encoding="utf-8"?>
+<file path=ppt/slides/slide23.xml><?xml version="1.0" encoding="utf-8"?>
 <p:sld xmlns:a="http://schemas.openxmlformats.org/drawingml/2006/main" xmlns:r="http://schemas.openxmlformats.org/officeDocument/2006/relationships" xmlns:p="http://schemas.openxmlformats.org/presentationml/2006/main">
   <p:cSld>
     <p:spTree>
@@ -9035,7 +9166,7 @@
 </p:sld>
 </file>
 
-<file path=ppt/slides/slide23.xml><?xml version="1.0" encoding="utf-8"?>
+<file path=ppt/slides/slide24.xml><?xml version="1.0" encoding="utf-8"?>
 <p:sld xmlns:a="http://schemas.openxmlformats.org/drawingml/2006/main" xmlns:r="http://schemas.openxmlformats.org/officeDocument/2006/relationships" xmlns:p="http://schemas.openxmlformats.org/presentationml/2006/main">
   <p:cSld>
     <p:spTree>
@@ -9133,7 +9264,7 @@
 </p:sld>
 </file>
 
-<file path=ppt/slides/slide24.xml><?xml version="1.0" encoding="utf-8"?>
+<file path=ppt/slides/slide25.xml><?xml version="1.0" encoding="utf-8"?>
 <p:sld xmlns:a="http://schemas.openxmlformats.org/drawingml/2006/main" xmlns:r="http://schemas.openxmlformats.org/officeDocument/2006/relationships" xmlns:p="http://schemas.openxmlformats.org/presentationml/2006/main">
   <p:cSld>
     <p:spTree>
@@ -9307,7 +9438,7 @@
 </p:sld>
 </file>
 
-<file path=ppt/slides/slide25.xml><?xml version="1.0" encoding="utf-8"?>
+<file path=ppt/slides/slide26.xml><?xml version="1.0" encoding="utf-8"?>
 <p:sld xmlns:a="http://schemas.openxmlformats.org/drawingml/2006/main" xmlns:r="http://schemas.openxmlformats.org/officeDocument/2006/relationships" xmlns:p="http://schemas.openxmlformats.org/presentationml/2006/main">
   <p:cSld>
     <p:spTree>
@@ -9435,7 +9566,7 @@
 </p:sld>
 </file>
 
-<file path=ppt/slides/slide26.xml><?xml version="1.0" encoding="utf-8"?>
+<file path=ppt/slides/slide27.xml><?xml version="1.0" encoding="utf-8"?>
 <p:sld xmlns:a="http://schemas.openxmlformats.org/drawingml/2006/main" xmlns:r="http://schemas.openxmlformats.org/officeDocument/2006/relationships" xmlns:p="http://schemas.openxmlformats.org/presentationml/2006/main">
   <p:cSld>
     <p:spTree>
@@ -9558,7 +9689,7 @@
 </p:sld>
 </file>
 
-<file path=ppt/slides/slide27.xml><?xml version="1.0" encoding="utf-8"?>
+<file path=ppt/slides/slide28.xml><?xml version="1.0" encoding="utf-8"?>
 <p:sld xmlns:a="http://schemas.openxmlformats.org/drawingml/2006/main" xmlns:r="http://schemas.openxmlformats.org/officeDocument/2006/relationships" xmlns:p="http://schemas.openxmlformats.org/presentationml/2006/main">
   <p:cSld>
     <p:spTree>
@@ -9700,7 +9831,7 @@
 </p:sld>
 </file>
 
-<file path=ppt/slides/slide28.xml><?xml version="1.0" encoding="utf-8"?>
+<file path=ppt/slides/slide29.xml><?xml version="1.0" encoding="utf-8"?>
 <p:sld xmlns:a="http://schemas.openxmlformats.org/drawingml/2006/main" xmlns:r="http://schemas.openxmlformats.org/officeDocument/2006/relationships" xmlns:p="http://schemas.openxmlformats.org/presentationml/2006/main">
   <p:cSld>
     <p:spTree>
@@ -9823,7 +9954,149 @@
 </p:sld>
 </file>
 
-<file path=ppt/slides/slide29.xml><?xml version="1.0" encoding="utf-8"?>
+<file path=ppt/slides/slide3.xml><?xml version="1.0" encoding="utf-8"?>
+<p:sld xmlns:a="http://schemas.openxmlformats.org/drawingml/2006/main" xmlns:r="http://schemas.openxmlformats.org/officeDocument/2006/relationships" xmlns:p="http://schemas.openxmlformats.org/presentationml/2006/main">
+  <p:cSld>
+    <p:spTree>
+      <p:nvGrpSpPr>
+        <p:cNvPr id="1" name=""/>
+        <p:cNvGrpSpPr/>
+        <p:nvPr/>
+      </p:nvGrpSpPr>
+      <p:grpSpPr>
+        <a:xfrm>
+          <a:off x="0" y="0"/>
+          <a:ext cx="0" cy="0"/>
+          <a:chOff x="0" y="0"/>
+          <a:chExt cx="0" cy="0"/>
+        </a:xfrm>
+      </p:grpSpPr>
+      <p:sp>
+        <p:nvSpPr>
+          <p:cNvPr id="7170" name="Rectangle 2"/>
+          <p:cNvSpPr>
+            <a:spLocks noGrp="1" noChangeArrowheads="1"/>
+          </p:cNvSpPr>
+          <p:nvPr>
+            <p:ph type="title"/>
+          </p:nvPr>
+        </p:nvSpPr>
+        <p:spPr/>
+        <p:txBody>
+          <a:bodyPr/>
+          <a:lstStyle/>
+          <a:p>
+            <a:r>
+              <a:rPr lang="fr-FR" altLang="fr-FR"/>
+              <a:t>Mapping Objet Relationnel</a:t>
+            </a:r>
+          </a:p>
+        </p:txBody>
+      </p:sp>
+      <p:sp>
+        <p:nvSpPr>
+          <p:cNvPr id="7171" name="Rectangle 3"/>
+          <p:cNvSpPr>
+            <a:spLocks noGrp="1" noChangeArrowheads="1"/>
+          </p:cNvSpPr>
+          <p:nvPr>
+            <p:ph type="body" idx="1"/>
+          </p:nvPr>
+        </p:nvSpPr>
+        <p:spPr>
+          <a:xfrm>
+            <a:off x="279400" y="1312863"/>
+            <a:ext cx="8599488" cy="4495800"/>
+          </a:xfrm>
+        </p:spPr>
+        <p:txBody>
+          <a:bodyPr/>
+          <a:lstStyle/>
+          <a:p>
+            <a:r>
+              <a:rPr lang="fr-FR" altLang="fr-FR" sz="2000"/>
+              <a:t>Le problème posé est celui de l’automatisation de la persistance des objets Java dans une base de données</a:t>
+            </a:r>
+          </a:p>
+          <a:p>
+            <a:r>
+              <a:rPr lang="fr-FR" altLang="fr-FR" sz="2000"/>
+              <a:t>Les solutions envisageables sont liées à beaucoup de questions que l’on peut se poser</a:t>
+            </a:r>
+          </a:p>
+          <a:p>
+            <a:pPr lvl="1"/>
+            <a:r>
+              <a:rPr lang="fr-FR" altLang="fr-FR" sz="1800"/>
+              <a:t>Quelles doivent être les classes persistantes ?</a:t>
+            </a:r>
+          </a:p>
+          <a:p>
+            <a:pPr lvl="1"/>
+            <a:r>
+              <a:rPr lang="fr-FR" altLang="fr-FR" sz="1800"/>
+              <a:t>Comment la correspondance avec les tables de la base est-elle définie ?</a:t>
+            </a:r>
+          </a:p>
+          <a:p>
+            <a:pPr lvl="1"/>
+            <a:r>
+              <a:rPr lang="fr-FR" altLang="fr-FR" sz="1800"/>
+              <a:t>Comment gérer l’héritage ?</a:t>
+            </a:r>
+          </a:p>
+          <a:p>
+            <a:pPr lvl="1"/>
+            <a:r>
+              <a:rPr lang="fr-FR" altLang="fr-FR" sz="1800"/>
+              <a:t>Comment représenter la durée de vie des objets et de leurs liens ? </a:t>
+            </a:r>
+          </a:p>
+          <a:p>
+            <a:pPr lvl="1"/>
+            <a:r>
+              <a:rPr lang="fr-FR" altLang="fr-FR" sz="1800"/>
+              <a:t>Comment les requêtes peuvent-elles être automatisées et définies avec une vision orientée objet ?</a:t>
+            </a:r>
+          </a:p>
+          <a:p>
+            <a:r>
+              <a:rPr lang="fr-FR" altLang="fr-FR" sz="2000"/>
+              <a:t>Employer un outil destiné au mapping Objet Relationnel</a:t>
+            </a:r>
+          </a:p>
+          <a:p>
+            <a:pPr lvl="1"/>
+            <a:r>
+              <a:rPr lang="fr-FR" altLang="fr-FR" sz="1800"/>
+              <a:t>Améliore la productivité </a:t>
+            </a:r>
+          </a:p>
+          <a:p>
+            <a:pPr lvl="1"/>
+            <a:r>
+              <a:rPr lang="fr-FR" altLang="fr-FR" sz="1800"/>
+              <a:t>Améliore la maintenabilité du code</a:t>
+            </a:r>
+          </a:p>
+          <a:p>
+            <a:pPr lvl="1"/>
+            <a:r>
+              <a:rPr lang="fr-FR" altLang="fr-FR" sz="1800"/>
+              <a:t>Permet une optimisation des performances de manière flexible</a:t>
+            </a:r>
+          </a:p>
+        </p:txBody>
+      </p:sp>
+    </p:spTree>
+  </p:cSld>
+  <p:clrMapOvr>
+    <a:masterClrMapping/>
+  </p:clrMapOvr>
+</p:sld>
+</file>
+
+<file path=ppt/slides/slide30.xml><?xml version="1.0" encoding="utf-8"?>
 <p:sld xmlns:a="http://schemas.openxmlformats.org/drawingml/2006/main" xmlns:r="http://schemas.openxmlformats.org/officeDocument/2006/relationships" xmlns:p="http://schemas.openxmlformats.org/presentationml/2006/main">
   <p:cSld>
     <p:spTree>
@@ -9915,149 +10188,7 @@
 </p:sld>
 </file>
 
-<file path=ppt/slides/slide3.xml><?xml version="1.0" encoding="utf-8"?>
-<p:sld xmlns:a="http://schemas.openxmlformats.org/drawingml/2006/main" xmlns:r="http://schemas.openxmlformats.org/officeDocument/2006/relationships" xmlns:p="http://schemas.openxmlformats.org/presentationml/2006/main">
-  <p:cSld>
-    <p:spTree>
-      <p:nvGrpSpPr>
-        <p:cNvPr id="1" name=""/>
-        <p:cNvGrpSpPr/>
-        <p:nvPr/>
-      </p:nvGrpSpPr>
-      <p:grpSpPr>
-        <a:xfrm>
-          <a:off x="0" y="0"/>
-          <a:ext cx="0" cy="0"/>
-          <a:chOff x="0" y="0"/>
-          <a:chExt cx="0" cy="0"/>
-        </a:xfrm>
-      </p:grpSpPr>
-      <p:sp>
-        <p:nvSpPr>
-          <p:cNvPr id="7170" name="Rectangle 2"/>
-          <p:cNvSpPr>
-            <a:spLocks noGrp="1" noChangeArrowheads="1"/>
-          </p:cNvSpPr>
-          <p:nvPr>
-            <p:ph type="title"/>
-          </p:nvPr>
-        </p:nvSpPr>
-        <p:spPr/>
-        <p:txBody>
-          <a:bodyPr/>
-          <a:lstStyle/>
-          <a:p>
-            <a:r>
-              <a:rPr lang="fr-FR" altLang="fr-FR"/>
-              <a:t>Mapping Objet Relationnel</a:t>
-            </a:r>
-          </a:p>
-        </p:txBody>
-      </p:sp>
-      <p:sp>
-        <p:nvSpPr>
-          <p:cNvPr id="7171" name="Rectangle 3"/>
-          <p:cNvSpPr>
-            <a:spLocks noGrp="1" noChangeArrowheads="1"/>
-          </p:cNvSpPr>
-          <p:nvPr>
-            <p:ph type="body" idx="1"/>
-          </p:nvPr>
-        </p:nvSpPr>
-        <p:spPr>
-          <a:xfrm>
-            <a:off x="279400" y="1312863"/>
-            <a:ext cx="8599488" cy="4495800"/>
-          </a:xfrm>
-        </p:spPr>
-        <p:txBody>
-          <a:bodyPr/>
-          <a:lstStyle/>
-          <a:p>
-            <a:r>
-              <a:rPr lang="fr-FR" altLang="fr-FR" sz="2000"/>
-              <a:t>Le problème posé est celui de l’automatisation de la persistance des objets Java dans une base de données</a:t>
-            </a:r>
-          </a:p>
-          <a:p>
-            <a:r>
-              <a:rPr lang="fr-FR" altLang="fr-FR" sz="2000"/>
-              <a:t>Les solutions envisageables sont liées à beaucoup de questions que l’on peut se poser</a:t>
-            </a:r>
-          </a:p>
-          <a:p>
-            <a:pPr lvl="1"/>
-            <a:r>
-              <a:rPr lang="fr-FR" altLang="fr-FR" sz="1800"/>
-              <a:t>Quelles doivent être les classes persistantes ?</a:t>
-            </a:r>
-          </a:p>
-          <a:p>
-            <a:pPr lvl="1"/>
-            <a:r>
-              <a:rPr lang="fr-FR" altLang="fr-FR" sz="1800"/>
-              <a:t>Comment la correspondance avec les tables de la base est-elle définie ?</a:t>
-            </a:r>
-          </a:p>
-          <a:p>
-            <a:pPr lvl="1"/>
-            <a:r>
-              <a:rPr lang="fr-FR" altLang="fr-FR" sz="1800"/>
-              <a:t>Comment gérer l’héritage ?</a:t>
-            </a:r>
-          </a:p>
-          <a:p>
-            <a:pPr lvl="1"/>
-            <a:r>
-              <a:rPr lang="fr-FR" altLang="fr-FR" sz="1800"/>
-              <a:t>Comment représenter la durée de vie des objets et de leurs liens ? </a:t>
-            </a:r>
-          </a:p>
-          <a:p>
-            <a:pPr lvl="1"/>
-            <a:r>
-              <a:rPr lang="fr-FR" altLang="fr-FR" sz="1800"/>
-              <a:t>Comment les requêtes peuvent-elles être automatisées et définies avec une vision orientée objet ?</a:t>
-            </a:r>
-          </a:p>
-          <a:p>
-            <a:r>
-              <a:rPr lang="fr-FR" altLang="fr-FR" sz="2000"/>
-              <a:t>Employer un outil destiné au mapping Objet Relationnel</a:t>
-            </a:r>
-          </a:p>
-          <a:p>
-            <a:pPr lvl="1"/>
-            <a:r>
-              <a:rPr lang="fr-FR" altLang="fr-FR" sz="1800"/>
-              <a:t>Améliore la productivité </a:t>
-            </a:r>
-          </a:p>
-          <a:p>
-            <a:pPr lvl="1"/>
-            <a:r>
-              <a:rPr lang="fr-FR" altLang="fr-FR" sz="1800"/>
-              <a:t>Améliore la maintenabilité du code</a:t>
-            </a:r>
-          </a:p>
-          <a:p>
-            <a:pPr lvl="1"/>
-            <a:r>
-              <a:rPr lang="fr-FR" altLang="fr-FR" sz="1800"/>
-              <a:t>Permet une optimisation des performances de manière flexible</a:t>
-            </a:r>
-          </a:p>
-        </p:txBody>
-      </p:sp>
-    </p:spTree>
-  </p:cSld>
-  <p:clrMapOvr>
-    <a:masterClrMapping/>
-  </p:clrMapOvr>
-</p:sld>
-</file>
-
-<file path=ppt/slides/slide30.xml><?xml version="1.0" encoding="utf-8"?>
+<file path=ppt/slides/slide31.xml><?xml version="1.0" encoding="utf-8"?>
 <p:sld xmlns:a="http://schemas.openxmlformats.org/drawingml/2006/main" xmlns:r="http://schemas.openxmlformats.org/officeDocument/2006/relationships" xmlns:p="http://schemas.openxmlformats.org/presentationml/2006/main">
   <p:cSld>
     <p:spTree>
@@ -10191,7 +10322,7 @@
 </p:sld>
 </file>
 
-<file path=ppt/slides/slide31.xml><?xml version="1.0" encoding="utf-8"?>
+<file path=ppt/slides/slide32.xml><?xml version="1.0" encoding="utf-8"?>
 <p:sld xmlns:a="http://schemas.openxmlformats.org/drawingml/2006/main" xmlns:r="http://schemas.openxmlformats.org/officeDocument/2006/relationships" xmlns:p="http://schemas.openxmlformats.org/presentationml/2006/main">
   <p:cSld>
     <p:spTree>
@@ -10310,7 +10441,7 @@
 </p:sld>
 </file>
 
-<file path=ppt/slides/slide32.xml><?xml version="1.0" encoding="utf-8"?>
+<file path=ppt/slides/slide33.xml><?xml version="1.0" encoding="utf-8"?>
 <p:sld xmlns:a="http://schemas.openxmlformats.org/drawingml/2006/main" xmlns:r="http://schemas.openxmlformats.org/officeDocument/2006/relationships" xmlns:p="http://schemas.openxmlformats.org/presentationml/2006/main">
   <p:cSld>
     <p:spTree>
@@ -10431,7 +10562,7 @@
 </p:sld>
 </file>
 
-<file path=ppt/slides/slide33.xml><?xml version="1.0" encoding="utf-8"?>
+<file path=ppt/slides/slide34.xml><?xml version="1.0" encoding="utf-8"?>
 <p:sld xmlns:a="http://schemas.openxmlformats.org/drawingml/2006/main" xmlns:r="http://schemas.openxmlformats.org/officeDocument/2006/relationships" xmlns:p="http://schemas.openxmlformats.org/presentationml/2006/main">
   <p:cSld>
     <p:spTree>
@@ -10552,7 +10683,7 @@
 </p:sld>
 </file>
 
-<file path=ppt/slides/slide34.xml><?xml version="1.0" encoding="utf-8"?>
+<file path=ppt/slides/slide35.xml><?xml version="1.0" encoding="utf-8"?>
 <p:sld xmlns:a="http://schemas.openxmlformats.org/drawingml/2006/main" xmlns:r="http://schemas.openxmlformats.org/officeDocument/2006/relationships" xmlns:p="http://schemas.openxmlformats.org/presentationml/2006/main">
   <p:cSld>
     <p:spTree>
@@ -10670,7 +10801,7 @@
 </p:sld>
 </file>
 
-<file path=ppt/slides/slide35.xml><?xml version="1.0" encoding="utf-8"?>
+<file path=ppt/slides/slide36.xml><?xml version="1.0" encoding="utf-8"?>
 <p:sld xmlns:a="http://schemas.openxmlformats.org/drawingml/2006/main" xmlns:r="http://schemas.openxmlformats.org/officeDocument/2006/relationships" xmlns:p="http://schemas.openxmlformats.org/presentationml/2006/main">
   <p:cSld>
     <p:spTree>
